--- a/MOD07_Sobrecarga_de_Metodos/01 Presentacion/INFO2_MOD07-Sobrecarga.pptx
+++ b/MOD07_Sobrecarga_de_Metodos/01 Presentacion/INFO2_MOD07-Sobrecarga.pptx
@@ -198,6 +198,9 @@
         </p15:guide>
       </p15:sldGuideLst>
     </p:ext>
+    <p:ext uri="{2D200454-40CA-4A62-9FC3-DE9A4176ACB9}">
+      <p15:notesGuideLst xmlns:p15="http://schemas.microsoft.com/office/powerpoint/2012/main"/>
+    </p:ext>
   </p:extLst>
 </p:presentation>
 </file>
@@ -296,7 +299,7 @@
           <a:p>
             <a:fld id="{FB1F23A6-E20E-481C-8C9E-285D64F1D72C}" type="datetimeFigureOut">
               <a:rPr lang="en-US" smtClean="0"/>
-              <a:t>2/24/2020</a:t>
+              <a:t>2/26/2020</a:t>
             </a:fld>
             <a:endParaRPr lang="en-US"/>
           </a:p>
@@ -473,7 +476,7 @@
           <a:p>
             <a:fld id="{ED4C7477-B001-4065-8DD8-D08E48DF051C}" type="datetimeFigureOut">
               <a:rPr lang="en-US" smtClean="0"/>
-              <a:t>2/24/2020</a:t>
+              <a:t>2/26/2020</a:t>
             </a:fld>
             <a:endParaRPr lang="en-US"/>
           </a:p>
@@ -2597,7 +2600,7 @@
                 </a:solidFill>
                 <a:latin typeface="Consolas" panose="020B0609020204030204" pitchFamily="49" charset="0"/>
               </a:rPr>
-              <a:t>[] </a:t>
+              <a:t>[][] </a:t>
             </a:r>
             <a:r>
               <a:rPr lang="en-US" sz="2800" dirty="0">
@@ -7900,7 +7903,7 @@
                 </a:solidFill>
                 <a:latin typeface="Consolas" panose="020B0609020204030204" pitchFamily="49" charset="0"/>
               </a:rPr>
-              <a:t>//o1 = 1Hola</a:t>
+              <a:t>//o2 = 1Hola</a:t>
             </a:r>
           </a:p>
           <a:p>
@@ -10035,19 +10038,28 @@
                 </a:solidFill>
                 <a:latin typeface="Consolas" panose="020B0609020204030204" pitchFamily="49" charset="0"/>
               </a:rPr>
-              <a:t> + </a:t>
-            </a:r>
-            <a:r>
-              <a:rPr lang="en-US" sz="2000" dirty="0">
+              <a:t> </a:t>
+            </a:r>
+            <a:r>
+              <a:rPr lang="en-US" sz="2000">
+                <a:solidFill>
+                  <a:srgbClr val="000000"/>
+                </a:solidFill>
+                <a:latin typeface="Consolas" panose="020B0609020204030204" pitchFamily="49" charset="0"/>
+              </a:rPr>
+              <a:t>+ </a:t>
+            </a:r>
+            <a:r>
+              <a:rPr lang="en-US" sz="2000">
                 <a:solidFill>
                   <a:srgbClr val="6A3E3E"/>
                 </a:solidFill>
                 <a:latin typeface="Consolas" panose="020B0609020204030204" pitchFamily="49" charset="0"/>
               </a:rPr>
-              <a:t>num1</a:t>
-            </a:r>
-            <a:r>
-              <a:rPr lang="en-US" sz="2000" dirty="0">
+              <a:t>num2</a:t>
+            </a:r>
+            <a:r>
+              <a:rPr lang="en-US" sz="2000">
                 <a:solidFill>
                   <a:srgbClr val="000000"/>
                 </a:solidFill>
@@ -10055,6 +10067,12 @@
               </a:rPr>
               <a:t>;</a:t>
             </a:r>
+            <a:endParaRPr lang="en-US" sz="2000" dirty="0">
+              <a:solidFill>
+                <a:srgbClr val="000000"/>
+              </a:solidFill>
+              <a:latin typeface="Consolas" panose="020B0609020204030204" pitchFamily="49" charset="0"/>
+            </a:endParaRPr>
           </a:p>
           <a:p>
             <a:r>

--- a/MOD07_Sobrecarga_de_Metodos/01 Presentacion/INFO2_MOD07-Sobrecarga.pptx
+++ b/MOD07_Sobrecarga_de_Metodos/01 Presentacion/INFO2_MOD07-Sobrecarga.pptx
@@ -11499,7 +11499,7 @@
                 <a:latin typeface="Roboto" panose="02000000000000000000" pitchFamily="2" charset="0"/>
                 <a:ea typeface="Roboto" panose="02000000000000000000" pitchFamily="2" charset="0"/>
               </a:rPr>
-              <a:t>El modificador de acceso, o ser estático vs de instancia no es suficiente para sobrecargar un método!</a:t>
+              <a:t>El modificador de acceso, ser estático vs de instancia o el valor de retorno no son suficientes para sobrecargar un método!</a:t>
             </a:r>
             <a:endParaRPr lang="en-US" sz="3200" b="1" dirty="0">
               <a:solidFill>
@@ -11525,8 +11525,8 @@
         </p:nvSpPr>
         <p:spPr bwMode="auto">
           <a:xfrm>
-            <a:off x="594168" y="1591535"/>
-            <a:ext cx="2114310" cy="387736"/>
+            <a:off x="594167" y="1591535"/>
+            <a:ext cx="3121305" cy="394136"/>
           </a:xfrm>
           <a:prstGeom prst="rect">
             <a:avLst/>
@@ -11594,8 +11594,8 @@
         </p:nvSpPr>
         <p:spPr bwMode="auto">
           <a:xfrm>
-            <a:off x="594167" y="2794641"/>
-            <a:ext cx="1963838" cy="387736"/>
+            <a:off x="594166" y="2794641"/>
+            <a:ext cx="2936111" cy="394136"/>
           </a:xfrm>
           <a:prstGeom prst="rect">
             <a:avLst/>
